--- a/Lab1/lab_1_powerpoint_tkc.pptx
+++ b/Lab1/lab_1_powerpoint_tkc.pptx
@@ -252,7 +252,7 @@
           <a:p>
             <a:fld id="{15744DC2-6A14-4FEE-B9D4-F4CB585A2C73}" type="datetimeFigureOut">
               <a:rPr lang="en-US" smtClean="0"/>
-              <a:t>1/23/18</a:t>
+              <a:t>1/30/18</a:t>
             </a:fld>
             <a:endParaRPr lang="en-US"/>
           </a:p>
@@ -736,7 +736,7 @@
             <a:fld id="{1D8BD707-D9CF-40AE-B4C6-C98DA3205C09}" type="datetimeFigureOut">
               <a:rPr lang="en-US" smtClean="0"/>
               <a:pPr/>
-              <a:t>1/23/18</a:t>
+              <a:t>1/30/18</a:t>
             </a:fld>
             <a:endParaRPr lang="en-US"/>
           </a:p>
@@ -903,7 +903,7 @@
             <a:fld id="{1D8BD707-D9CF-40AE-B4C6-C98DA3205C09}" type="datetimeFigureOut">
               <a:rPr lang="en-US" smtClean="0"/>
               <a:pPr/>
-              <a:t>1/23/18</a:t>
+              <a:t>1/30/18</a:t>
             </a:fld>
             <a:endParaRPr lang="en-US"/>
           </a:p>
@@ -1080,7 +1080,7 @@
             <a:fld id="{1D8BD707-D9CF-40AE-B4C6-C98DA3205C09}" type="datetimeFigureOut">
               <a:rPr lang="en-US" smtClean="0"/>
               <a:pPr/>
-              <a:t>1/23/18</a:t>
+              <a:t>1/30/18</a:t>
             </a:fld>
             <a:endParaRPr lang="en-US"/>
           </a:p>
@@ -1247,7 +1247,7 @@
             <a:fld id="{1D8BD707-D9CF-40AE-B4C6-C98DA3205C09}" type="datetimeFigureOut">
               <a:rPr lang="en-US" smtClean="0"/>
               <a:pPr/>
-              <a:t>1/23/18</a:t>
+              <a:t>1/30/18</a:t>
             </a:fld>
             <a:endParaRPr lang="en-US"/>
           </a:p>
@@ -1490,7 +1490,7 @@
             <a:fld id="{1D8BD707-D9CF-40AE-B4C6-C98DA3205C09}" type="datetimeFigureOut">
               <a:rPr lang="en-US" smtClean="0"/>
               <a:pPr/>
-              <a:t>1/23/18</a:t>
+              <a:t>1/30/18</a:t>
             </a:fld>
             <a:endParaRPr lang="en-US"/>
           </a:p>
@@ -1719,7 +1719,7 @@
             <a:fld id="{1D8BD707-D9CF-40AE-B4C6-C98DA3205C09}" type="datetimeFigureOut">
               <a:rPr lang="en-US" smtClean="0"/>
               <a:pPr/>
-              <a:t>1/23/18</a:t>
+              <a:t>1/30/18</a:t>
             </a:fld>
             <a:endParaRPr lang="en-US"/>
           </a:p>
@@ -2083,7 +2083,7 @@
             <a:fld id="{1D8BD707-D9CF-40AE-B4C6-C98DA3205C09}" type="datetimeFigureOut">
               <a:rPr lang="en-US" smtClean="0"/>
               <a:pPr/>
-              <a:t>1/23/18</a:t>
+              <a:t>1/30/18</a:t>
             </a:fld>
             <a:endParaRPr lang="en-US"/>
           </a:p>
@@ -2198,7 +2198,7 @@
             <a:fld id="{1D8BD707-D9CF-40AE-B4C6-C98DA3205C09}" type="datetimeFigureOut">
               <a:rPr lang="en-US" smtClean="0"/>
               <a:pPr/>
-              <a:t>1/23/18</a:t>
+              <a:t>1/30/18</a:t>
             </a:fld>
             <a:endParaRPr lang="en-US"/>
           </a:p>
@@ -2290,7 +2290,7 @@
             <a:fld id="{1D8BD707-D9CF-40AE-B4C6-C98DA3205C09}" type="datetimeFigureOut">
               <a:rPr lang="en-US" smtClean="0"/>
               <a:pPr/>
-              <a:t>1/23/18</a:t>
+              <a:t>1/30/18</a:t>
             </a:fld>
             <a:endParaRPr lang="en-US"/>
           </a:p>
@@ -2564,7 +2564,7 @@
             <a:fld id="{1D8BD707-D9CF-40AE-B4C6-C98DA3205C09}" type="datetimeFigureOut">
               <a:rPr lang="en-US" smtClean="0"/>
               <a:pPr/>
-              <a:t>1/23/18</a:t>
+              <a:t>1/30/18</a:t>
             </a:fld>
             <a:endParaRPr lang="en-US"/>
           </a:p>
@@ -2814,7 +2814,7 @@
             <a:fld id="{1D8BD707-D9CF-40AE-B4C6-C98DA3205C09}" type="datetimeFigureOut">
               <a:rPr lang="en-US" smtClean="0"/>
               <a:pPr/>
-              <a:t>1/23/18</a:t>
+              <a:t>1/30/18</a:t>
             </a:fld>
             <a:endParaRPr lang="en-US"/>
           </a:p>
@@ -3024,7 +3024,7 @@
             <a:fld id="{1D8BD707-D9CF-40AE-B4C6-C98DA3205C09}" type="datetimeFigureOut">
               <a:rPr lang="en-US" smtClean="0"/>
               <a:pPr/>
-              <a:t>1/23/18</a:t>
+              <a:t>1/30/18</a:t>
             </a:fld>
             <a:endParaRPr lang="en-US"/>
           </a:p>
@@ -3471,7 +3471,7 @@
           <a:noFill/>
           <a:extLst>
             <a:ext uri="{909E8E84-426E-40dd-AFC4-6F175D3DCCD1}">
-              <a14:hiddenFill xmlns:a14="http://schemas.microsoft.com/office/drawing/2010/main" xmlns="">
+              <a14:hiddenFill xmlns="" xmlns:a14="http://schemas.microsoft.com/office/drawing/2010/main">
                 <a:solidFill>
                   <a:srgbClr val="FFFFFF"/>
                 </a:solidFill>
@@ -7320,11 +7320,7 @@
           <a:p>
             <a:r>
               <a:rPr lang="en-US" dirty="0" smtClean="0"/>
-              <a:t>Changing </a:t>
-            </a:r>
-            <a:r>
-              <a:rPr lang="en-US" dirty="0" smtClean="0"/>
-              <a:t>Directories: Shortcuts</a:t>
+              <a:t>Changing Directories: Shortcuts</a:t>
             </a:r>
             <a:endParaRPr lang="en-US" dirty="0"/>
           </a:p>
@@ -7689,11 +7685,7 @@
             <a:pPr lvl="1"/>
             <a:r>
               <a:rPr lang="en-US" b="1" dirty="0" smtClean="0"/>
-              <a:t>You will use this same computer for all future labs, and place all of your work for the class in this folder</a:t>
-            </a:r>
-            <a:r>
-              <a:rPr lang="en-US" b="1" dirty="0" smtClean="0"/>
-              <a:t>.</a:t>
+              <a:t>You will use this same computer for all future labs, and place all of your work for the class in this folder.</a:t>
             </a:r>
           </a:p>
           <a:p>
@@ -7717,7 +7709,6 @@
               <a:rPr lang="en-US" dirty="0" smtClean="0"/>
               <a:t> to change directories into this new folder</a:t>
             </a:r>
-            <a:endParaRPr lang="en-US" dirty="0" smtClean="0"/>
           </a:p>
         </p:txBody>
       </p:sp>
@@ -9317,11 +9308,7 @@
             </a:r>
             <a:r>
               <a:rPr lang="en-US" dirty="0" smtClean="0"/>
-              <a:t> I: Maximum </a:t>
-            </a:r>
-            <a:r>
-              <a:rPr lang="en-US" dirty="0" smtClean="0"/>
-              <a:t>Parsimony (MEGA)</a:t>
+              <a:t> I: Maximum Parsimony (MEGA)</a:t>
             </a:r>
           </a:p>
           <a:p>
@@ -9340,11 +9327,7 @@
             </a:r>
             <a:r>
               <a:rPr lang="en-US" dirty="0" smtClean="0"/>
-              <a:t> II: Maximum </a:t>
-            </a:r>
-            <a:r>
-              <a:rPr lang="en-US" dirty="0" smtClean="0"/>
-              <a:t>Likelihood (jModelTest, </a:t>
+              <a:t> II: Maximum Likelihood (jModelTest, </a:t>
             </a:r>
             <a:r>
               <a:rPr lang="en-US" dirty="0" err="1" smtClean="0"/>
@@ -9354,7 +9337,6 @@
               <a:rPr lang="en-US" dirty="0" smtClean="0"/>
               <a:t>)</a:t>
             </a:r>
-            <a:endParaRPr lang="en-US" dirty="0" smtClean="0"/>
           </a:p>
           <a:p>
             <a:pPr>
@@ -9372,11 +9354,7 @@
             </a:r>
             <a:r>
               <a:rPr lang="en-US" dirty="0" smtClean="0"/>
-              <a:t> III: Bayesian </a:t>
-            </a:r>
-            <a:r>
-              <a:rPr lang="en-US" dirty="0" smtClean="0"/>
-              <a:t>Trees (</a:t>
+              <a:t> III: Bayesian Trees (</a:t>
             </a:r>
             <a:r>
               <a:rPr lang="en-US" dirty="0" err="1" smtClean="0"/>
@@ -11273,11 +11251,7 @@
           <a:p>
             <a:r>
               <a:rPr lang="en-US" dirty="0" smtClean="0"/>
-              <a:t>Lab </a:t>
-            </a:r>
-            <a:r>
-              <a:rPr lang="en-US" dirty="0" smtClean="0"/>
-              <a:t>9: Genetic Diversity and distance (</a:t>
+              <a:t>Lab 9: Genetic Diversity and distance (</a:t>
             </a:r>
             <a:r>
               <a:rPr lang="en-US" dirty="0" err="1" smtClean="0"/>
@@ -11295,33 +11269,23 @@
               <a:rPr lang="en-US" dirty="0" smtClean="0"/>
               <a:t>)</a:t>
             </a:r>
+          </a:p>
+          <a:p>
             <a:endParaRPr lang="en-US" dirty="0" smtClean="0"/>
           </a:p>
           <a:p>
+            <a:r>
+              <a:rPr lang="en-US" dirty="0" smtClean="0"/>
+              <a:t>Lab 10: Population structure and assignment tests (Structure)</a:t>
+            </a:r>
+          </a:p>
+          <a:p>
             <a:endParaRPr lang="en-US" dirty="0" smtClean="0"/>
           </a:p>
           <a:p>
             <a:r>
               <a:rPr lang="en-US" dirty="0" smtClean="0"/>
-              <a:t>Lab </a:t>
-            </a:r>
-            <a:r>
-              <a:rPr lang="en-US" dirty="0" smtClean="0"/>
-              <a:t>10: Population structure and assignment tests (Structure)</a:t>
-            </a:r>
-            <a:endParaRPr lang="en-US" dirty="0" smtClean="0"/>
-          </a:p>
-          <a:p>
-            <a:endParaRPr lang="en-US" dirty="0" smtClean="0"/>
-          </a:p>
-          <a:p>
-            <a:r>
-              <a:rPr lang="en-US" dirty="0" smtClean="0"/>
-              <a:t>Lab </a:t>
-            </a:r>
-            <a:r>
-              <a:rPr lang="en-US" dirty="0" smtClean="0"/>
-              <a:t>11: Identifying recent migration (</a:t>
+              <a:t>Lab 11: Identifying recent migration (</a:t>
             </a:r>
             <a:r>
               <a:rPr lang="en-US" dirty="0" err="1" smtClean="0"/>
@@ -11331,7 +11295,6 @@
               <a:rPr lang="en-US" dirty="0" smtClean="0"/>
               <a:t>)</a:t>
             </a:r>
-            <a:endParaRPr lang="en-US" dirty="0" smtClean="0"/>
           </a:p>
         </p:txBody>
       </p:sp>
@@ -11989,13 +11952,8 @@
           <a:p>
             <a:r>
               <a:rPr lang="en-US" dirty="0" smtClean="0"/>
-              <a:t>Set up a time to meet with me</a:t>
-            </a:r>
-            <a:r>
-              <a:rPr lang="en-US" dirty="0" smtClean="0"/>
-              <a:t>.</a:t>
-            </a:r>
-            <a:endParaRPr lang="en-US" dirty="0" smtClean="0"/>
+              <a:t>Set up a time to meet with me.</a:t>
+            </a:r>
           </a:p>
         </p:txBody>
       </p:sp>
@@ -12080,7 +12038,15 @@
             <a:pPr lvl="1"/>
             <a:r>
               <a:rPr lang="en-US" b="1" dirty="0" smtClean="0"/>
-              <a:t>Spend the next 20 minutes using the terminal window and exploring the commands in this PowerPoint</a:t>
+              <a:t>Spend the next </a:t>
+            </a:r>
+            <a:r>
+              <a:rPr lang="en-US" b="1" dirty="0" smtClean="0"/>
+              <a:t>10 </a:t>
+            </a:r>
+            <a:r>
+              <a:rPr lang="en-US" b="1" dirty="0" smtClean="0"/>
+              <a:t>minutes using the terminal window and exploring the commands in this PowerPoint</a:t>
             </a:r>
           </a:p>
           <a:p>
@@ -12242,25 +12208,16 @@
           <a:p>
             <a:r>
               <a:rPr lang="en-US" dirty="0" smtClean="0"/>
-              <a:t>Lab </a:t>
-            </a:r>
-            <a:r>
-              <a:rPr lang="en-US" dirty="0" smtClean="0"/>
-              <a:t>12: Intro to next-generation sequencing</a:t>
-            </a:r>
+              <a:t>Lab 12: Intro to next-generation sequencing</a:t>
+            </a:r>
+          </a:p>
+          <a:p>
             <a:endParaRPr lang="en-US" dirty="0" smtClean="0"/>
           </a:p>
           <a:p>
-            <a:endParaRPr lang="en-US" dirty="0" smtClean="0"/>
-          </a:p>
-          <a:p>
-            <a:r>
-              <a:rPr lang="en-US" dirty="0" smtClean="0"/>
-              <a:t>Lab </a:t>
-            </a:r>
-            <a:r>
-              <a:rPr lang="en-US" dirty="0" smtClean="0"/>
-              <a:t>13: Assembling </a:t>
+            <a:r>
+              <a:rPr lang="en-US" dirty="0" smtClean="0"/>
+              <a:t>Lab 13: Assembling </a:t>
             </a:r>
             <a:r>
               <a:rPr lang="en-US" dirty="0" err="1" smtClean="0"/>
@@ -12278,23 +12235,14 @@
               <a:rPr lang="en-US" dirty="0" smtClean="0"/>
               <a:t>)</a:t>
             </a:r>
+          </a:p>
+          <a:p>
             <a:endParaRPr lang="en-US" dirty="0" smtClean="0"/>
           </a:p>
           <a:p>
-            <a:endParaRPr lang="en-US" dirty="0" smtClean="0"/>
-          </a:p>
-          <a:p>
-            <a:r>
-              <a:rPr lang="en-US" dirty="0" smtClean="0"/>
-              <a:t>Lab </a:t>
-            </a:r>
-            <a:r>
-              <a:rPr lang="en-US" dirty="0" smtClean="0"/>
-              <a:t>14: </a:t>
-            </a:r>
-            <a:r>
-              <a:rPr lang="en-US" dirty="0" smtClean="0"/>
-              <a:t>Detecting hybridization and introgression (D-statistics)</a:t>
+            <a:r>
+              <a:rPr lang="en-US" dirty="0" smtClean="0"/>
+              <a:t>Lab 14: Detecting hybridization and introgression (D-statistics)</a:t>
             </a:r>
             <a:endParaRPr lang="en-US" dirty="0"/>
           </a:p>
@@ -12744,11 +12692,7 @@
             </a:r>
             <a:r>
               <a:rPr lang="en-US" sz="2000" dirty="0" smtClean="0"/>
-              <a:t> </a:t>
-            </a:r>
-            <a:r>
-              <a:rPr lang="en-US" sz="2000" dirty="0" smtClean="0"/>
-              <a:t>or </a:t>
+              <a:t> or </a:t>
             </a:r>
             <a:r>
               <a:rPr lang="en-US" sz="2000" b="1" dirty="0" err="1" smtClean="0"/>
@@ -12760,11 +12704,7 @@
             </a:r>
             <a:r>
               <a:rPr lang="en-US" sz="2000" dirty="0" smtClean="0"/>
-              <a:t>if </a:t>
-            </a:r>
-            <a:r>
-              <a:rPr lang="en-US" sz="2000" dirty="0" smtClean="0"/>
-              <a:t>you want to maintain compatibility with both Mac and Windows</a:t>
+              <a:t>if you want to maintain compatibility with both Mac and Windows</a:t>
             </a:r>
           </a:p>
           <a:p>
